--- a/[Unity] ObjectPooling.pptx
+++ b/[Unity] ObjectPooling.pptx
@@ -118,7 +118,7 @@
   </p:defaultTextStyle>
   <p:extLst>
     <p:ext uri="{EFAFB233-063F-42B5-8137-9DF3F51BA10A}">
-      <p15:sldGuideLst xmlns="" xmlns:p14="http://schemas.microsoft.com/office/powerpoint/2010/main" xmlns:p15="http://schemas.microsoft.com/office/powerpoint/2012/main">
+      <p15:sldGuideLst xmlns:p15="http://schemas.microsoft.com/office/powerpoint/2012/main" xmlns:p14="http://schemas.microsoft.com/office/powerpoint/2010/main" xmlns="">
         <p15:guide id="0" orient="horz" pos="2156" userDrawn="1">
           <p15:clr>
             <a:srgbClr val="A4A3A4"/>
@@ -217,7 +217,7 @@
           <a:p>
             <a:fld id="{C6E18198-3977-4BB3-8C0B-A7FF71273355}" type="datetimeFigureOut">
               <a:rPr lang="ko-KR" altLang="en-US" smtClean="0"/>
-              <a:t>2018-01-25</a:t>
+              <a:t>2018-03-02</a:t>
             </a:fld>
             <a:endParaRPr lang="ko-KR" altLang="en-US"/>
           </a:p>
@@ -750,7 +750,7 @@
           <a:p>
             <a:fld id="{2BFCEA5C-7C71-4A1D-B071-B414D8688B65}" type="datetimeFigureOut">
               <a:rPr lang="ko-KR" altLang="en-US" smtClean="0"/>
-              <a:t>2018-01-25</a:t>
+              <a:t>2018-03-02</a:t>
             </a:fld>
             <a:endParaRPr lang="ko-KR" altLang="en-US"/>
           </a:p>
@@ -928,7 +928,7 @@
           <a:p>
             <a:fld id="{2BFCEA5C-7C71-4A1D-B071-B414D8688B65}" type="datetimeFigureOut">
               <a:rPr lang="ko-KR" altLang="en-US" smtClean="0"/>
-              <a:t>2018-01-25</a:t>
+              <a:t>2018-03-02</a:t>
             </a:fld>
             <a:endParaRPr lang="ko-KR" altLang="en-US"/>
           </a:p>
@@ -1116,7 +1116,7 @@
           <a:p>
             <a:fld id="{2BFCEA5C-7C71-4A1D-B071-B414D8688B65}" type="datetimeFigureOut">
               <a:rPr lang="ko-KR" altLang="en-US" smtClean="0"/>
-              <a:t>2018-01-25</a:t>
+              <a:t>2018-03-02</a:t>
             </a:fld>
             <a:endParaRPr lang="ko-KR" altLang="en-US"/>
           </a:p>
@@ -1294,7 +1294,7 @@
           <a:p>
             <a:fld id="{2BFCEA5C-7C71-4A1D-B071-B414D8688B65}" type="datetimeFigureOut">
               <a:rPr lang="ko-KR" altLang="en-US" smtClean="0"/>
-              <a:t>2018-01-25</a:t>
+              <a:t>2018-03-02</a:t>
             </a:fld>
             <a:endParaRPr lang="ko-KR" altLang="en-US"/>
           </a:p>
@@ -1548,7 +1548,7 @@
           <a:p>
             <a:fld id="{2BFCEA5C-7C71-4A1D-B071-B414D8688B65}" type="datetimeFigureOut">
               <a:rPr lang="ko-KR" altLang="en-US" smtClean="0"/>
-              <a:t>2018-01-25</a:t>
+              <a:t>2018-03-02</a:t>
             </a:fld>
             <a:endParaRPr lang="ko-KR" altLang="en-US"/>
           </a:p>
@@ -1844,7 +1844,7 @@
           <a:p>
             <a:fld id="{2BFCEA5C-7C71-4A1D-B071-B414D8688B65}" type="datetimeFigureOut">
               <a:rPr lang="ko-KR" altLang="en-US" smtClean="0"/>
-              <a:t>2018-01-25</a:t>
+              <a:t>2018-03-02</a:t>
             </a:fld>
             <a:endParaRPr lang="ko-KR" altLang="en-US"/>
           </a:p>
@@ -2274,7 +2274,7 @@
           <a:p>
             <a:fld id="{2BFCEA5C-7C71-4A1D-B071-B414D8688B65}" type="datetimeFigureOut">
               <a:rPr lang="ko-KR" altLang="en-US" smtClean="0"/>
-              <a:t>2018-01-25</a:t>
+              <a:t>2018-03-02</a:t>
             </a:fld>
             <a:endParaRPr lang="ko-KR" altLang="en-US"/>
           </a:p>
@@ -2400,7 +2400,7 @@
           <a:p>
             <a:fld id="{2BFCEA5C-7C71-4A1D-B071-B414D8688B65}" type="datetimeFigureOut">
               <a:rPr lang="ko-KR" altLang="en-US" smtClean="0"/>
-              <a:t>2018-01-25</a:t>
+              <a:t>2018-03-02</a:t>
             </a:fld>
             <a:endParaRPr lang="ko-KR" altLang="en-US"/>
           </a:p>
@@ -2503,7 +2503,7 @@
           <a:p>
             <a:fld id="{2BFCEA5C-7C71-4A1D-B071-B414D8688B65}" type="datetimeFigureOut">
               <a:rPr lang="ko-KR" altLang="en-US" smtClean="0"/>
-              <a:t>2018-01-25</a:t>
+              <a:t>2018-03-02</a:t>
             </a:fld>
             <a:endParaRPr lang="ko-KR" altLang="en-US"/>
           </a:p>
@@ -2788,7 +2788,7 @@
           <a:p>
             <a:fld id="{2BFCEA5C-7C71-4A1D-B071-B414D8688B65}" type="datetimeFigureOut">
               <a:rPr lang="ko-KR" altLang="en-US" smtClean="0"/>
-              <a:t>2018-01-25</a:t>
+              <a:t>2018-03-02</a:t>
             </a:fld>
             <a:endParaRPr lang="ko-KR" altLang="en-US"/>
           </a:p>
@@ -3049,7 +3049,7 @@
           <a:p>
             <a:fld id="{2BFCEA5C-7C71-4A1D-B071-B414D8688B65}" type="datetimeFigureOut">
               <a:rPr lang="ko-KR" altLang="en-US" smtClean="0"/>
-              <a:t>2018-01-25</a:t>
+              <a:t>2018-03-02</a:t>
             </a:fld>
             <a:endParaRPr lang="ko-KR" altLang="en-US"/>
           </a:p>
@@ -3270,7 +3270,7 @@
           <a:p>
             <a:fld id="{2BFCEA5C-7C71-4A1D-B071-B414D8688B65}" type="datetimeFigureOut">
               <a:rPr lang="ko-KR" altLang="en-US" smtClean="0"/>
-              <a:t>2018-01-25</a:t>
+              <a:t>2018-03-02</a:t>
             </a:fld>
             <a:endParaRPr lang="ko-KR" altLang="en-US"/>
           </a:p>
@@ -4229,7 +4229,7 @@
         <p:spPr>
           <a:xfrm>
             <a:off x="323528" y="2222862"/>
-            <a:ext cx="8532440" cy="2862322"/>
+            <a:ext cx="8532440" cy="3323987"/>
           </a:xfrm>
           <a:prstGeom prst="rect">
             <a:avLst/>
@@ -4249,7 +4249,27 @@
             </a:pPr>
             <a:r>
               <a:rPr lang="en-US" altLang="ko-KR" sz="2000" dirty="0" smtClean="0"/>
-              <a:t>1) </a:t>
+              <a:t>0) </a:t>
+            </a:r>
+            <a:r>
+              <a:rPr lang="ko-KR" altLang="en-US" sz="2000" dirty="0" smtClean="0"/>
+              <a:t>메모리 단편화를 방지하기 위한 설계</a:t>
+            </a:r>
+            <a:endParaRPr lang="en-US" altLang="ko-KR" sz="2000" dirty="0" smtClean="0"/>
+          </a:p>
+          <a:p>
+            <a:pPr>
+              <a:lnSpc>
+                <a:spcPct val="150000"/>
+              </a:lnSpc>
+            </a:pPr>
+            <a:r>
+              <a:rPr lang="en-US" altLang="ko-KR" sz="2000" dirty="0" smtClean="0"/>
+              <a:t>1</a:t>
+            </a:r>
+            <a:r>
+              <a:rPr lang="en-US" altLang="ko-KR" sz="2000" dirty="0" smtClean="0"/>
+              <a:t>) </a:t>
             </a:r>
             <a:r>
               <a:rPr lang="ko-KR" altLang="en-US" sz="2000" dirty="0" smtClean="0"/>
